--- a/презинтация и поясн. записка/роект 2 - игра на pegame - презинтация.pptx
+++ b/презинтация и поясн. записка/роект 2 - игра на pegame - презинтация.pptx
@@ -72,7 +72,7 @@
         <p:spPr>
           <a:xfrm>
             <a:off x="504000" y="74160"/>
-            <a:ext cx="9070560" cy="1250280"/>
+            <a:ext cx="9070200" cy="1250280"/>
           </a:xfrm>
           <a:prstGeom prst="rect">
             <a:avLst/>
@@ -185,7 +185,7 @@
         <p:spPr>
           <a:xfrm>
             <a:off x="504000" y="74160"/>
-            <a:ext cx="9070560" cy="1250280"/>
+            <a:ext cx="9070200" cy="1250280"/>
           </a:xfrm>
           <a:prstGeom prst="rect">
             <a:avLst/>
@@ -358,7 +358,7 @@
         <p:spPr>
           <a:xfrm>
             <a:off x="504000" y="74160"/>
-            <a:ext cx="9070560" cy="1250280"/>
+            <a:ext cx="9070200" cy="1250280"/>
           </a:xfrm>
           <a:prstGeom prst="rect">
             <a:avLst/>
@@ -613,7 +613,7 @@
         <p:spPr>
           <a:xfrm>
             <a:off x="504000" y="74160"/>
-            <a:ext cx="9070560" cy="1250280"/>
+            <a:ext cx="9070200" cy="1250280"/>
           </a:xfrm>
           <a:prstGeom prst="rect">
             <a:avLst/>
@@ -697,7 +697,7 @@
         <p:spPr>
           <a:xfrm>
             <a:off x="504000" y="74160"/>
-            <a:ext cx="9070560" cy="1250280"/>
+            <a:ext cx="9070200" cy="1250280"/>
           </a:xfrm>
           <a:prstGeom prst="rect">
             <a:avLst/>
@@ -780,7 +780,7 @@
         <p:spPr>
           <a:xfrm>
             <a:off x="504000" y="74160"/>
-            <a:ext cx="9070560" cy="1250280"/>
+            <a:ext cx="9070200" cy="1250280"/>
           </a:xfrm>
           <a:prstGeom prst="rect">
             <a:avLst/>
@@ -893,7 +893,7 @@
         <p:spPr>
           <a:xfrm>
             <a:off x="504000" y="74160"/>
-            <a:ext cx="9070560" cy="1250280"/>
+            <a:ext cx="9070200" cy="1250280"/>
           </a:xfrm>
           <a:prstGeom prst="rect">
             <a:avLst/>
@@ -946,7 +946,7 @@
         <p:spPr>
           <a:xfrm>
             <a:off x="504000" y="74160"/>
-            <a:ext cx="9070560" cy="5795280"/>
+            <a:ext cx="9070200" cy="5795280"/>
           </a:xfrm>
           <a:prstGeom prst="rect">
             <a:avLst/>
@@ -999,7 +999,7 @@
         <p:spPr>
           <a:xfrm>
             <a:off x="504000" y="74160"/>
-            <a:ext cx="9070560" cy="1250280"/>
+            <a:ext cx="9070200" cy="1250280"/>
           </a:xfrm>
           <a:prstGeom prst="rect">
             <a:avLst/>
@@ -1142,7 +1142,7 @@
         <p:spPr>
           <a:xfrm>
             <a:off x="504000" y="74160"/>
-            <a:ext cx="9070560" cy="1250280"/>
+            <a:ext cx="9070200" cy="1250280"/>
           </a:xfrm>
           <a:prstGeom prst="rect">
             <a:avLst/>
@@ -1226,7 +1226,7 @@
         <p:spPr>
           <a:xfrm>
             <a:off x="504000" y="74160"/>
-            <a:ext cx="9070560" cy="1250280"/>
+            <a:ext cx="9070200" cy="1250280"/>
           </a:xfrm>
           <a:prstGeom prst="rect">
             <a:avLst/>
@@ -1369,7 +1369,7 @@
         <p:spPr>
           <a:xfrm>
             <a:off x="504000" y="74160"/>
-            <a:ext cx="9070560" cy="1250280"/>
+            <a:ext cx="9070200" cy="1250280"/>
           </a:xfrm>
           <a:prstGeom prst="rect">
             <a:avLst/>
@@ -1512,7 +1512,7 @@
         <p:spPr>
           <a:xfrm>
             <a:off x="504000" y="74160"/>
-            <a:ext cx="9070560" cy="1250280"/>
+            <a:ext cx="9070200" cy="1250280"/>
           </a:xfrm>
           <a:prstGeom prst="rect">
             <a:avLst/>
@@ -1625,7 +1625,7 @@
         <p:spPr>
           <a:xfrm>
             <a:off x="504000" y="74160"/>
-            <a:ext cx="9070560" cy="1250280"/>
+            <a:ext cx="9070200" cy="1250280"/>
           </a:xfrm>
           <a:prstGeom prst="rect">
             <a:avLst/>
@@ -1798,7 +1798,7 @@
         <p:spPr>
           <a:xfrm>
             <a:off x="504000" y="74160"/>
-            <a:ext cx="9070560" cy="1250280"/>
+            <a:ext cx="9070200" cy="1250280"/>
           </a:xfrm>
           <a:prstGeom prst="rect">
             <a:avLst/>
@@ -2053,7 +2053,7 @@
         <p:spPr>
           <a:xfrm>
             <a:off x="504000" y="74160"/>
-            <a:ext cx="9070560" cy="1250280"/>
+            <a:ext cx="9070200" cy="1250280"/>
           </a:xfrm>
           <a:prstGeom prst="rect">
             <a:avLst/>
@@ -2137,7 +2137,7 @@
         <p:spPr>
           <a:xfrm>
             <a:off x="504000" y="74160"/>
-            <a:ext cx="9070560" cy="1250280"/>
+            <a:ext cx="9070200" cy="1250280"/>
           </a:xfrm>
           <a:prstGeom prst="rect">
             <a:avLst/>
@@ -2220,7 +2220,7 @@
         <p:spPr>
           <a:xfrm>
             <a:off x="504000" y="74160"/>
-            <a:ext cx="9070560" cy="1250280"/>
+            <a:ext cx="9070200" cy="1250280"/>
           </a:xfrm>
           <a:prstGeom prst="rect">
             <a:avLst/>
@@ -2333,7 +2333,7 @@
         <p:spPr>
           <a:xfrm>
             <a:off x="504000" y="74160"/>
-            <a:ext cx="9070560" cy="1250280"/>
+            <a:ext cx="9070200" cy="1250280"/>
           </a:xfrm>
           <a:prstGeom prst="rect">
             <a:avLst/>
@@ -2386,7 +2386,7 @@
         <p:spPr>
           <a:xfrm>
             <a:off x="504000" y="74160"/>
-            <a:ext cx="9070560" cy="1250280"/>
+            <a:ext cx="9070200" cy="1250280"/>
           </a:xfrm>
           <a:prstGeom prst="rect">
             <a:avLst/>
@@ -2469,7 +2469,7 @@
         <p:spPr>
           <a:xfrm>
             <a:off x="504000" y="74160"/>
-            <a:ext cx="9070560" cy="5795280"/>
+            <a:ext cx="9070200" cy="5795280"/>
           </a:xfrm>
           <a:prstGeom prst="rect">
             <a:avLst/>
@@ -2522,7 +2522,7 @@
         <p:spPr>
           <a:xfrm>
             <a:off x="504000" y="74160"/>
-            <a:ext cx="9070560" cy="1250280"/>
+            <a:ext cx="9070200" cy="1250280"/>
           </a:xfrm>
           <a:prstGeom prst="rect">
             <a:avLst/>
@@ -2665,7 +2665,7 @@
         <p:spPr>
           <a:xfrm>
             <a:off x="504000" y="74160"/>
-            <a:ext cx="9070560" cy="1250280"/>
+            <a:ext cx="9070200" cy="1250280"/>
           </a:xfrm>
           <a:prstGeom prst="rect">
             <a:avLst/>
@@ -2808,7 +2808,7 @@
         <p:spPr>
           <a:xfrm>
             <a:off x="504000" y="74160"/>
-            <a:ext cx="9070560" cy="1250280"/>
+            <a:ext cx="9070200" cy="1250280"/>
           </a:xfrm>
           <a:prstGeom prst="rect">
             <a:avLst/>
@@ -2951,7 +2951,7 @@
         <p:spPr>
           <a:xfrm>
             <a:off x="504000" y="74160"/>
-            <a:ext cx="9070560" cy="1250280"/>
+            <a:ext cx="9070200" cy="1250280"/>
           </a:xfrm>
           <a:prstGeom prst="rect">
             <a:avLst/>
@@ -3064,7 +3064,7 @@
         <p:spPr>
           <a:xfrm>
             <a:off x="504000" y="74160"/>
-            <a:ext cx="9070560" cy="1250280"/>
+            <a:ext cx="9070200" cy="1250280"/>
           </a:xfrm>
           <a:prstGeom prst="rect">
             <a:avLst/>
@@ -3237,7 +3237,7 @@
         <p:spPr>
           <a:xfrm>
             <a:off x="504000" y="74160"/>
-            <a:ext cx="9070560" cy="1250280"/>
+            <a:ext cx="9070200" cy="1250280"/>
           </a:xfrm>
           <a:prstGeom prst="rect">
             <a:avLst/>
@@ -3470,7 +3470,7 @@
         <p:spPr>
           <a:xfrm>
             <a:off x="504000" y="74160"/>
-            <a:ext cx="9070560" cy="1250280"/>
+            <a:ext cx="9070200" cy="1250280"/>
           </a:xfrm>
           <a:prstGeom prst="rect">
             <a:avLst/>
@@ -3583,7 +3583,7 @@
         <p:spPr>
           <a:xfrm>
             <a:off x="504000" y="74160"/>
-            <a:ext cx="9070560" cy="1250280"/>
+            <a:ext cx="9070200" cy="1250280"/>
           </a:xfrm>
           <a:prstGeom prst="rect">
             <a:avLst/>
@@ -3636,7 +3636,7 @@
         <p:spPr>
           <a:xfrm>
             <a:off x="504000" y="74160"/>
-            <a:ext cx="9070560" cy="5795280"/>
+            <a:ext cx="9070200" cy="5795280"/>
           </a:xfrm>
           <a:prstGeom prst="rect">
             <a:avLst/>
@@ -3689,7 +3689,7 @@
         <p:spPr>
           <a:xfrm>
             <a:off x="504000" y="74160"/>
-            <a:ext cx="9070560" cy="1250280"/>
+            <a:ext cx="9070200" cy="1250280"/>
           </a:xfrm>
           <a:prstGeom prst="rect">
             <a:avLst/>
@@ -3832,7 +3832,7 @@
         <p:spPr>
           <a:xfrm>
             <a:off x="504000" y="74160"/>
-            <a:ext cx="9070560" cy="1250280"/>
+            <a:ext cx="9070200" cy="1250280"/>
           </a:xfrm>
           <a:prstGeom prst="rect">
             <a:avLst/>
@@ -3975,7 +3975,7 @@
         <p:spPr>
           <a:xfrm>
             <a:off x="504000" y="74160"/>
-            <a:ext cx="9070560" cy="1250280"/>
+            <a:ext cx="9070200" cy="1250280"/>
           </a:xfrm>
           <a:prstGeom prst="rect">
             <a:avLst/>
@@ -4371,7 +4371,7 @@
         <p:spPr>
           <a:xfrm>
             <a:off x="504000" y="74160"/>
-            <a:ext cx="9070560" cy="1249920"/>
+            <a:ext cx="9070200" cy="1249920"/>
           </a:xfrm>
           <a:prstGeom prst="rect">
             <a:avLst/>
@@ -4879,7 +4879,7 @@
         <p:spPr>
           <a:xfrm>
             <a:off x="504000" y="226080"/>
-            <a:ext cx="9070560" cy="945360"/>
+            <a:ext cx="9070200" cy="945000"/>
           </a:xfrm>
           <a:prstGeom prst="rect">
             <a:avLst/>
@@ -4930,7 +4930,7 @@
         <p:spPr>
           <a:xfrm>
             <a:off x="6120720" y="4680000"/>
-            <a:ext cx="3742920" cy="361080"/>
+            <a:ext cx="3742560" cy="360720"/>
           </a:xfrm>
           <a:prstGeom prst="rect">
             <a:avLst/>
@@ -5031,7 +5031,7 @@
         <p:spPr>
           <a:xfrm>
             <a:off x="144000" y="144000"/>
-            <a:ext cx="4606920" cy="345240"/>
+            <a:ext cx="4606560" cy="344880"/>
           </a:xfrm>
           <a:prstGeom prst="rect">
             <a:avLst/>
@@ -5057,7 +5057,7 @@
         <p:spPr>
           <a:xfrm>
             <a:off x="504000" y="226080"/>
-            <a:ext cx="9070560" cy="945360"/>
+            <a:ext cx="9070200" cy="945000"/>
           </a:xfrm>
           <a:prstGeom prst="rect">
             <a:avLst/>
@@ -5108,7 +5108,7 @@
         <p:spPr>
           <a:xfrm>
             <a:off x="216000" y="1080000"/>
-            <a:ext cx="9430920" cy="2505960"/>
+            <a:ext cx="9430560" cy="2505600"/>
           </a:xfrm>
           <a:prstGeom prst="rect">
             <a:avLst/>
@@ -5172,7 +5172,7 @@
                 <a:latin typeface="JetBrains Mono"/>
                 <a:ea typeface="JetBrains Mono"/>
               </a:rPr>
-              <a:t>pugame</a:t>
+              <a:t>pygame</a:t>
             </a:r>
             <a:r>
               <a:rPr b="0" lang="ru-RU" sz="1800" spc="-1" strike="noStrike">
@@ -5319,7 +5319,7 @@
         <p:spPr>
           <a:xfrm>
             <a:off x="0" y="301680"/>
-            <a:ext cx="10078920" cy="1094400"/>
+            <a:ext cx="10078560" cy="1094040"/>
           </a:xfrm>
           <a:prstGeom prst="rect">
             <a:avLst/>
@@ -5370,7 +5370,7 @@
         <p:spPr>
           <a:xfrm>
             <a:off x="692640" y="1509120"/>
-            <a:ext cx="2581560" cy="3596040"/>
+            <a:ext cx="2581200" cy="3595680"/>
           </a:xfrm>
           <a:prstGeom prst="rect">
             <a:avLst/>
@@ -5391,7 +5391,7 @@
             <a:noAutofit/>
           </a:bodyPr>
           <a:p>
-            <a:pPr marL="228600" indent="-227160">
+            <a:pPr marL="228600" indent="-226800">
               <a:lnSpc>
                 <a:spcPct val="90000"/>
               </a:lnSpc>
@@ -5419,7 +5419,7 @@
             </a:endParaRPr>
           </a:p>
           <a:p>
-            <a:pPr lvl="1" marL="685800" indent="-227160">
+            <a:pPr lvl="1" marL="685800" indent="-226800">
               <a:lnSpc>
                 <a:spcPct val="90000"/>
               </a:lnSpc>
@@ -5447,18 +5447,13 @@
             </a:endParaRPr>
           </a:p>
           <a:p>
-            <a:pPr lvl="1" marL="685800" indent="-227160">
+            <a:pPr>
               <a:lnSpc>
                 <a:spcPct val="90000"/>
               </a:lnSpc>
               <a:spcBef>
                 <a:spcPts val="499"/>
               </a:spcBef>
-              <a:buClr>
-                <a:srgbClr val="000000"/>
-              </a:buClr>
-              <a:buFont typeface="Arial"/>
-              <a:buChar char="•"/>
             </a:pPr>
             <a:endParaRPr b="0" lang="ru-RU" sz="2400" spc="-1" strike="noStrike">
               <a:latin typeface="Arial"/>
@@ -5475,7 +5470,7 @@
         <p:spPr>
           <a:xfrm>
             <a:off x="6634080" y="1487880"/>
-            <a:ext cx="2725560" cy="3596040"/>
+            <a:ext cx="2725200" cy="3595680"/>
           </a:xfrm>
           <a:prstGeom prst="rect">
             <a:avLst/>
@@ -5496,7 +5491,7 @@
             <a:normAutofit/>
           </a:bodyPr>
           <a:p>
-            <a:pPr marL="228600" indent="-227160">
+            <a:pPr marL="228600" indent="-226800">
               <a:lnSpc>
                 <a:spcPct val="90000"/>
               </a:lnSpc>
@@ -5524,7 +5519,7 @@
             </a:endParaRPr>
           </a:p>
           <a:p>
-            <a:pPr lvl="1" marL="685800" indent="-227160">
+            <a:pPr lvl="1" marL="685800" indent="-226800">
               <a:lnSpc>
                 <a:spcPct val="90000"/>
               </a:lnSpc>
@@ -5545,14 +5540,14 @@
                 <a:latin typeface="JetBrains Mono"/>
                 <a:ea typeface="JetBrains Mono"/>
               </a:rPr>
-              <a:t>pugame</a:t>
+              <a:t>pygame</a:t>
             </a:r>
             <a:endParaRPr b="0" lang="ru-RU" sz="2200" spc="-1" strike="noStrike">
               <a:latin typeface="Arial"/>
             </a:endParaRPr>
           </a:p>
           <a:p>
-            <a:pPr lvl="1" marL="685800" indent="-227160">
+            <a:pPr lvl="1" marL="685800" indent="-226800">
               <a:lnSpc>
                 <a:spcPct val="90000"/>
               </a:lnSpc>
@@ -5580,7 +5575,7 @@
             </a:endParaRPr>
           </a:p>
           <a:p>
-            <a:pPr lvl="1" marL="685800" indent="-227160">
+            <a:pPr lvl="1" marL="685800" indent="-226800">
               <a:lnSpc>
                 <a:spcPct val="90000"/>
               </a:lnSpc>
@@ -5608,7 +5603,7 @@
             </a:endParaRPr>
           </a:p>
           <a:p>
-            <a:pPr lvl="1" marL="685800" indent="-227160">
+            <a:pPr lvl="1" marL="685800" indent="-226800">
               <a:lnSpc>
                 <a:spcPct val="90000"/>
               </a:lnSpc>
@@ -5676,7 +5671,7 @@
         <p:spPr>
           <a:xfrm>
             <a:off x="22680" y="0"/>
-            <a:ext cx="10056240" cy="1324080"/>
+            <a:ext cx="10055880" cy="1323720"/>
           </a:xfrm>
           <a:prstGeom prst="rect">
             <a:avLst/>
@@ -5731,7 +5726,7 @@
         <p:spPr>
           <a:xfrm>
             <a:off x="200520" y="648000"/>
-            <a:ext cx="3512160" cy="4751640"/>
+            <a:ext cx="3511800" cy="4751280"/>
           </a:xfrm>
           <a:prstGeom prst="rect">
             <a:avLst/>
@@ -5750,7 +5745,7 @@
         <p:spPr>
           <a:xfrm>
             <a:off x="1296000" y="1080000"/>
-            <a:ext cx="2900880" cy="326520"/>
+            <a:ext cx="2900520" cy="326160"/>
           </a:xfrm>
           <a:custGeom>
             <a:avLst/>
@@ -5792,7 +5787,7 @@
         <p:spPr>
           <a:xfrm>
             <a:off x="987120" y="1257480"/>
-            <a:ext cx="3202200" cy="669960"/>
+            <a:ext cx="3201840" cy="669600"/>
           </a:xfrm>
           <a:custGeom>
             <a:avLst/>
@@ -5834,7 +5829,7 @@
         <p:spPr>
           <a:xfrm>
             <a:off x="1059120" y="1368000"/>
-            <a:ext cx="3115440" cy="954000"/>
+            <a:ext cx="3115080" cy="953640"/>
           </a:xfrm>
           <a:custGeom>
             <a:avLst/>
@@ -5875,8 +5870,8 @@
         </p:nvSpPr>
         <p:spPr>
           <a:xfrm flipV="1">
-            <a:off x="1275120" y="2872080"/>
-            <a:ext cx="2921760" cy="2273040"/>
+            <a:off x="1275120" y="2871000"/>
+            <a:ext cx="2921400" cy="2272680"/>
           </a:xfrm>
           <a:custGeom>
             <a:avLst/>
@@ -5917,8 +5912,8 @@
         </p:nvSpPr>
         <p:spPr>
           <a:xfrm>
-            <a:off x="4320000" y="1765800"/>
-            <a:ext cx="5974920" cy="393840"/>
+            <a:off x="4320000" y="2159280"/>
+            <a:ext cx="5974560" cy="393480"/>
           </a:xfrm>
           <a:prstGeom prst="rect">
             <a:avLst/>
@@ -5946,7 +5941,11 @@
             </a:pPr>
             <a:r>
               <a:rPr b="0" lang="ru-RU" sz="1800" spc="-1" strike="noStrike">
+                <a:solidFill>
+                  <a:srgbClr val="000000"/>
+                </a:solidFill>
                 <a:latin typeface="Arial"/>
+                <a:ea typeface="DejaVu Sans"/>
               </a:rPr>
               <a:t>Sprites — папка со спрайтами</a:t>
             </a:r>
@@ -5965,7 +5964,7 @@
         <p:spPr>
           <a:xfrm>
             <a:off x="4248000" y="2722320"/>
-            <a:ext cx="5471640" cy="939960"/>
+            <a:ext cx="5471280" cy="939600"/>
           </a:xfrm>
           <a:prstGeom prst="rect">
             <a:avLst/>
@@ -6015,8 +6014,8 @@
         </p:nvSpPr>
         <p:spPr>
           <a:xfrm>
-            <a:off x="4248000" y="2160000"/>
-            <a:ext cx="5183640" cy="857880"/>
+            <a:off x="4248000" y="1765800"/>
+            <a:ext cx="5183280" cy="857520"/>
           </a:xfrm>
           <a:prstGeom prst="rect">
             <a:avLst/>
@@ -6044,6 +6043,9 @@
             </a:pPr>
             <a:r>
               <a:rPr b="0" lang="ru-RU" sz="1800" spc="-1" strike="noStrike">
+                <a:solidFill>
+                  <a:srgbClr val="000000"/>
+                </a:solidFill>
                 <a:latin typeface="Arial"/>
                 <a:ea typeface="Microsoft YaHei"/>
               </a:rPr>
@@ -6064,7 +6066,7 @@
         <p:spPr>
           <a:xfrm>
             <a:off x="4392000" y="1224000"/>
-            <a:ext cx="4391640" cy="601920"/>
+            <a:ext cx="4391280" cy="601560"/>
           </a:xfrm>
           <a:prstGeom prst="rect">
             <a:avLst/>
@@ -6092,7 +6094,11 @@
             </a:pPr>
             <a:r>
               <a:rPr b="0" lang="ru-RU" sz="1800" spc="-1" strike="noStrike">
+                <a:solidFill>
+                  <a:srgbClr val="000000"/>
+                </a:solidFill>
                 <a:latin typeface="Arial"/>
+                <a:ea typeface="DejaVu Sans"/>
               </a:rPr>
               <a:t>Levelex.TXT — уровень из меню</a:t>
             </a:r>
@@ -6141,7 +6147,7 @@
         <p:spPr>
           <a:xfrm>
             <a:off x="504000" y="226080"/>
-            <a:ext cx="9070560" cy="945360"/>
+            <a:ext cx="9070200" cy="945000"/>
           </a:xfrm>
           <a:prstGeom prst="rect">
             <a:avLst/>
@@ -6192,7 +6198,7 @@
         <p:spPr>
           <a:xfrm>
             <a:off x="288000" y="1224000"/>
-            <a:ext cx="9502920" cy="1026720"/>
+            <a:ext cx="9502560" cy="1026360"/>
           </a:xfrm>
           <a:prstGeom prst="rect">
             <a:avLst/>
@@ -6279,7 +6285,7 @@
         <p:spPr>
           <a:xfrm>
             <a:off x="504000" y="74160"/>
-            <a:ext cx="9070560" cy="1249200"/>
+            <a:ext cx="9070200" cy="1248840"/>
           </a:xfrm>
           <a:prstGeom prst="rect">
             <a:avLst/>
@@ -6330,7 +6336,7 @@
         <p:spPr>
           <a:xfrm>
             <a:off x="432000" y="1512000"/>
-            <a:ext cx="8350920" cy="2634480"/>
+            <a:ext cx="8350560" cy="2634120"/>
           </a:xfrm>
           <a:prstGeom prst="rect">
             <a:avLst/>
@@ -6361,7 +6367,7 @@
             </a:endParaRPr>
           </a:p>
           <a:p>
-            <a:pPr marL="216000" indent="-214920">
+            <a:pPr marL="216000" indent="-214560">
               <a:lnSpc>
                 <a:spcPct val="100000"/>
               </a:lnSpc>
@@ -6386,7 +6392,7 @@
             </a:endParaRPr>
           </a:p>
           <a:p>
-            <a:pPr marL="216000" indent="-214920">
+            <a:pPr marL="216000" indent="-214560">
               <a:lnSpc>
                 <a:spcPct val="100000"/>
               </a:lnSpc>
@@ -6411,7 +6417,7 @@
             </a:endParaRPr>
           </a:p>
           <a:p>
-            <a:pPr marL="216000" indent="-214920">
+            <a:pPr marL="216000" indent="-214560">
               <a:lnSpc>
                 <a:spcPct val="100000"/>
               </a:lnSpc>
@@ -6436,7 +6442,7 @@
             </a:endParaRPr>
           </a:p>
           <a:p>
-            <a:pPr marL="216000" indent="-214920">
+            <a:pPr marL="216000" indent="-214560">
               <a:lnSpc>
                 <a:spcPct val="100000"/>
               </a:lnSpc>
@@ -6461,7 +6467,7 @@
             </a:endParaRPr>
           </a:p>
           <a:p>
-            <a:pPr marL="216000" indent="-214920">
+            <a:pPr marL="216000" indent="-214560">
               <a:lnSpc>
                 <a:spcPct val="100000"/>
               </a:lnSpc>
@@ -6486,7 +6492,7 @@
             </a:endParaRPr>
           </a:p>
           <a:p>
-            <a:pPr marL="216000" indent="-214920">
+            <a:pPr marL="216000" indent="-214560">
               <a:lnSpc>
                 <a:spcPct val="100000"/>
               </a:lnSpc>
@@ -6551,7 +6557,7 @@
         <p:spPr>
           <a:xfrm>
             <a:off x="504000" y="226080"/>
-            <a:ext cx="9070560" cy="945360"/>
+            <a:ext cx="9070200" cy="945000"/>
           </a:xfrm>
           <a:prstGeom prst="rect">
             <a:avLst/>
